--- a/v1 — копия.pptx
+++ b/v1 — копия.pptx
@@ -13979,7 +13979,7 @@
         </p:nvSpPr>
         <p:spPr>
           <a:xfrm>
-            <a:off x="1154955" y="2603500"/>
+            <a:off x="1154954" y="2603499"/>
             <a:ext cx="4468080" cy="3416300"/>
           </a:xfrm>
         </p:spPr>
@@ -14019,8 +14019,8 @@
         </p:blipFill>
         <p:spPr>
           <a:xfrm>
-            <a:off x="6758261" y="3225482"/>
-            <a:ext cx="3930650" cy="2172335"/>
+            <a:off x="6379781" y="3225481"/>
+            <a:ext cx="4810958" cy="2658851"/>
           </a:xfrm>
           <a:prstGeom prst="rect">
             <a:avLst/>
@@ -14041,8 +14041,8 @@
         </p:nvSpPr>
         <p:spPr>
           <a:xfrm>
-            <a:off x="7151023" y="2844225"/>
-            <a:ext cx="3201517" cy="584775"/>
+            <a:off x="7331951" y="2886927"/>
+            <a:ext cx="3201517" cy="338554"/>
           </a:xfrm>
           <a:prstGeom prst="rect">
             <a:avLst/>
@@ -14059,9 +14059,6 @@
               <a:rPr lang="en-US" sz="1600" dirty="0"/>
               <a:t>Example of an ON-OFF model </a:t>
             </a:r>
-            <a:endParaRPr lang="ru-RU" sz="1600" dirty="0"/>
-          </a:p>
-          <a:p>
             <a:endParaRPr lang="ru-RU" sz="1600" dirty="0"/>
           </a:p>
         </p:txBody>
@@ -14173,8 +14170,8 @@
         </p:nvSpPr>
         <p:spPr>
           <a:xfrm>
-            <a:off x="1154955" y="2603500"/>
-            <a:ext cx="5687279" cy="3416300"/>
+            <a:off x="1154954" y="2603499"/>
+            <a:ext cx="4319872" cy="3761103"/>
           </a:xfrm>
         </p:spPr>
         <p:txBody>
@@ -14185,7 +14182,7 @@
           <a:p>
             <a:r>
               <a:rPr lang="en-US" sz="2000" dirty="0"/>
-              <a:t>In order to reduce the complexity of the considered optimization problem, we set the listening period, as well as the inactivity timer equal to one frame (1ms). We plot the energy efficiency coefficient against the maximum packet delay restriction.</a:t>
+              <a:t>In order to reduce the complexity of the considered optimization problem, we set the listening period, as well as the inactivity timer equal to one frame (1ms). The energy efficiency coefficient against the maximum packet delay restriction.</a:t>
             </a:r>
           </a:p>
         </p:txBody>
@@ -14212,8 +14209,8 @@
         </p:blipFill>
         <p:spPr>
           <a:xfrm>
-            <a:off x="7271242" y="2948305"/>
-            <a:ext cx="4060825" cy="2726690"/>
+            <a:off x="6244216" y="2948304"/>
+            <a:ext cx="5087851" cy="3416299"/>
           </a:xfrm>
           <a:prstGeom prst="rect">
             <a:avLst/>
@@ -14234,7 +14231,7 @@
         </p:nvSpPr>
         <p:spPr>
           <a:xfrm>
-            <a:off x="7894858" y="2666821"/>
+            <a:off x="7538949" y="2609750"/>
             <a:ext cx="2813591" cy="338554"/>
           </a:xfrm>
           <a:prstGeom prst="rect">
@@ -14375,7 +14372,7 @@
           <a:p>
             <a:r>
               <a:rPr lang="en" sz="2000" dirty="0"/>
-              <a:t>We plot the energy efficiency coefficient against the mean packet delay restriction for HTTP traffic. We notice that as the mean delay restriction increases, the energy efficiency coefficient grows for both powers saving modes. We demonstrate the gain of the DRX mode over the sleep mode.</a:t>
+              <a:t>The energy efficiency coefficient against the mean packet delay restriction for HTTP traffic. The greatest difference between the two energy efficiency coefficient values (up to 30%) is achieved when the mean packet delay restriction is tighter.</a:t>
             </a:r>
             <a:endParaRPr lang="ru-RU" sz="2000" dirty="0"/>
           </a:p>
@@ -14403,8 +14400,8 @@
         </p:blipFill>
         <p:spPr>
           <a:xfrm>
-            <a:off x="721754" y="4158526"/>
-            <a:ext cx="3490058" cy="2392638"/>
+            <a:off x="519362" y="3975191"/>
+            <a:ext cx="3935128" cy="2697759"/>
           </a:xfrm>
           <a:prstGeom prst="rect">
             <a:avLst/>
@@ -14425,7 +14422,7 @@
         </p:nvSpPr>
         <p:spPr>
           <a:xfrm>
-            <a:off x="883958" y="3779902"/>
+            <a:off x="837660" y="3573751"/>
             <a:ext cx="3490058" cy="584775"/>
           </a:xfrm>
           <a:prstGeom prst="rect">
@@ -14472,8 +14469,8 @@
         </p:blipFill>
         <p:spPr>
           <a:xfrm>
-            <a:off x="7535119" y="4026731"/>
-            <a:ext cx="3708895" cy="2594681"/>
+            <a:off x="7737511" y="3868921"/>
+            <a:ext cx="3935127" cy="2752949"/>
           </a:xfrm>
           <a:prstGeom prst="rect">
             <a:avLst/>
@@ -14494,7 +14491,7 @@
         </p:nvSpPr>
         <p:spPr>
           <a:xfrm>
-            <a:off x="7737511" y="3779903"/>
+            <a:off x="8253767" y="3573750"/>
             <a:ext cx="3304110" cy="584775"/>
           </a:xfrm>
           <a:prstGeom prst="rect">
@@ -14719,7 +14716,12 @@
             <p:ph idx="1"/>
           </p:nvPr>
         </p:nvSpPr>
-        <p:spPr/>
+        <p:spPr>
+          <a:xfrm>
+            <a:off x="1154954" y="3429000"/>
+            <a:ext cx="10035785" cy="2590799"/>
+          </a:xfrm>
+        </p:spPr>
         <p:txBody>
           <a:bodyPr>
             <a:normAutofit/>
@@ -14728,7 +14730,7 @@
           <a:p>
             <a:r>
               <a:rPr lang="en-US" sz="2000" dirty="0"/>
-              <a:t>We conducted performance analysis of two power saving modes defined by next-generation wireless communication standards, IEEE 802.16m and 3GPP LTE- Advanced. In order to conclude on the efficiency of the considered mechanisms, we developed a comprehensive system model.</a:t>
+              <a:t>Performance analysis of two power saving modes defined by next-generation wireless communication standards, IEEE 802.16m and 3GPP LTE- Advanced. In order to conclude on the efficiency of the considered mechanisms, we developed a comprehensive system model.</a:t>
             </a:r>
             <a:endParaRPr lang="ru-RU" sz="2000" dirty="0"/>
           </a:p>
@@ -14848,7 +14850,19 @@
           <a:p>
             <a:r>
               <a:rPr lang="en-US" sz="2000" dirty="0"/>
-              <a:t>Our analysis indicates that the DRX mode and the sleep mode demonstrate similar behavior of the energy efficiency coefficient subject to a particular maximum packet delay restriction. The DRX mode outperforms the sleep mode in terms of the energy efficiency coefficient for tight mean packet delay restriction. Nevertheless, the performance gain of the DRX mode over the sleep mode drops dramatically for higher values of the mean packet delay restriction. </a:t>
+              <a:t>Our analysis indicates that the DRX mode and the sleep mode demonstrate similar behavior of the energy efficiency coefficient subject to a particular maximum packet delay restriction. </a:t>
+            </a:r>
+          </a:p>
+          <a:p>
+            <a:r>
+              <a:rPr lang="en-US" sz="2000" dirty="0"/>
+              <a:t>The DRX mode outperforms the sleep mode in terms of the energy efficiency coefficient for tight mean packet delay restriction.</a:t>
+            </a:r>
+          </a:p>
+          <a:p>
+            <a:r>
+              <a:rPr lang="en-US" sz="2000" dirty="0"/>
+              <a:t>Nevertheless, the performance gain of the DRX mode over the sleep mode drops dramatically for higher values of the mean packet delay restriction. </a:t>
             </a:r>
             <a:endParaRPr lang="ru-RU" sz="2000" dirty="0"/>
           </a:p>
@@ -15453,8 +15467,8 @@
             </p:nvSpPr>
             <p:spPr>
               <a:xfrm>
-                <a:off x="881686" y="2603500"/>
-                <a:ext cx="5214315" cy="3416300"/>
+                <a:off x="1154954" y="2603500"/>
+                <a:ext cx="4941046" cy="3565806"/>
               </a:xfrm>
             </p:spPr>
             <p:txBody>
@@ -15463,8 +15477,11 @@
               </a:bodyPr>
               <a:lstStyle/>
               <a:p>
+                <a:pPr marL="0" indent="0">
+                  <a:buNone/>
+                </a:pPr>
                 <a:r>
-                  <a:rPr lang="en" sz="1600" dirty="0"/>
+                  <a:rPr lang="en" sz="2000" dirty="0"/>
                   <a:t>In case of no data, the MS initiates a sleep period with the respective sleep cycle duration given by: </a:t>
                 </a:r>
               </a:p>
@@ -15473,7 +15490,7 @@
                   <a:buNone/>
                 </a:pPr>
                 <a:r>
-                  <a:rPr lang="en" dirty="0"/>
+                  <a:rPr lang="en" sz="2400" dirty="0"/>
                   <a:t>      </a:t>
                 </a:r>
                 <a14:m>
@@ -15481,14 +15498,14 @@
                     <m:sSub>
                       <m:sSubPr>
                         <m:ctrlPr>
-                          <a:rPr lang="ru-RU" i="1">
+                          <a:rPr lang="ru-RU" sz="2400" i="1">
                             <a:latin typeface="Cambria Math" panose="02040503050406030204" pitchFamily="18" charset="0"/>
                           </a:rPr>
                         </m:ctrlPr>
                       </m:sSubPr>
                       <m:e>
                         <m:r>
-                          <a:rPr lang="ru-RU" i="1">
+                          <a:rPr lang="ru-RU" sz="2400" i="1">
                             <a:latin typeface="Cambria Math" panose="02040503050406030204" pitchFamily="18" charset="0"/>
                           </a:rPr>
                           <m:t>𝐶</m:t>
@@ -15496,7 +15513,7 @@
                       </m:e>
                       <m:sub>
                         <m:r>
-                          <a:rPr lang="ru-RU" i="1">
+                          <a:rPr lang="ru-RU" sz="2400" i="1">
                             <a:latin typeface="Cambria Math" panose="02040503050406030204" pitchFamily="18" charset="0"/>
                           </a:rPr>
                           <m:t>𝑖</m:t>
@@ -15504,7 +15521,7 @@
                       </m:sub>
                     </m:sSub>
                     <m:r>
-                      <a:rPr lang="en-US">
+                      <a:rPr lang="en-US" sz="2400">
                         <a:latin typeface="Cambria Math" panose="02040503050406030204" pitchFamily="18" charset="0"/>
                       </a:rPr>
                       <m:t>=</m:t>
@@ -15513,13 +15530,13 @@
                       <m:rPr>
                         <m:sty m:val="p"/>
                       </m:rPr>
-                      <a:rPr lang="en-US">
+                      <a:rPr lang="en-US" sz="2400">
                         <a:latin typeface="Cambria Math" panose="02040503050406030204" pitchFamily="18" charset="0"/>
                       </a:rPr>
                       <m:t>min</m:t>
                     </m:r>
                     <m:r>
-                      <a:rPr lang="en-US">
+                      <a:rPr lang="en-US" sz="2400">
                         <a:latin typeface="Cambria Math" panose="02040503050406030204" pitchFamily="18" charset="0"/>
                       </a:rPr>
                       <m:t>(2∙</m:t>
@@ -15527,14 +15544,14 @@
                     <m:sSub>
                       <m:sSubPr>
                         <m:ctrlPr>
-                          <a:rPr lang="ru-RU" i="1">
+                          <a:rPr lang="ru-RU" sz="2400" i="1">
                             <a:latin typeface="Cambria Math" panose="02040503050406030204" pitchFamily="18" charset="0"/>
                           </a:rPr>
                         </m:ctrlPr>
                       </m:sSubPr>
                       <m:e>
                         <m:r>
-                          <a:rPr lang="ru-RU" i="1">
+                          <a:rPr lang="ru-RU" sz="2400" i="1">
                             <a:latin typeface="Cambria Math" panose="02040503050406030204" pitchFamily="18" charset="0"/>
                           </a:rPr>
                           <m:t>𝐶</m:t>
@@ -15542,19 +15559,19 @@
                       </m:e>
                       <m:sub>
                         <m:r>
-                          <a:rPr lang="ru-RU" i="1">
+                          <a:rPr lang="ru-RU" sz="2400" i="1">
                             <a:latin typeface="Cambria Math" panose="02040503050406030204" pitchFamily="18" charset="0"/>
                           </a:rPr>
                           <m:t>𝑖</m:t>
                         </m:r>
                         <m:r>
-                          <a:rPr lang="en-US" i="1">
+                          <a:rPr lang="en-US" sz="2400" i="1">
                             <a:latin typeface="Cambria Math" panose="02040503050406030204" pitchFamily="18" charset="0"/>
                           </a:rPr>
                           <m:t>−</m:t>
                         </m:r>
                         <m:r>
-                          <a:rPr lang="en-US">
+                          <a:rPr lang="en-US" sz="2400">
                             <a:latin typeface="Cambria Math" panose="02040503050406030204" pitchFamily="18" charset="0"/>
                           </a:rPr>
                           <m:t>1</m:t>
@@ -15562,7 +15579,7 @@
                       </m:sub>
                     </m:sSub>
                     <m:r>
-                      <a:rPr lang="en-US">
+                      <a:rPr lang="en-US" sz="2400">
                         <a:latin typeface="Cambria Math" panose="02040503050406030204" pitchFamily="18" charset="0"/>
                       </a:rPr>
                       <m:t>, </m:t>
@@ -15570,14 +15587,14 @@
                     <m:sSub>
                       <m:sSubPr>
                         <m:ctrlPr>
-                          <a:rPr lang="ru-RU" i="1">
+                          <a:rPr lang="ru-RU" sz="2400" i="1">
                             <a:latin typeface="Cambria Math" panose="02040503050406030204" pitchFamily="18" charset="0"/>
                           </a:rPr>
                         </m:ctrlPr>
                       </m:sSubPr>
                       <m:e>
                         <m:r>
-                          <a:rPr lang="ru-RU" i="1">
+                          <a:rPr lang="ru-RU" sz="2400" i="1">
                             <a:latin typeface="Cambria Math" panose="02040503050406030204" pitchFamily="18" charset="0"/>
                           </a:rPr>
                           <m:t>𝐶</m:t>
@@ -15585,7 +15602,7 @@
                       </m:e>
                       <m:sub>
                         <m:r>
-                          <a:rPr lang="ru-RU" i="1">
+                          <a:rPr lang="ru-RU" sz="2400" i="1">
                             <a:latin typeface="Cambria Math" panose="02040503050406030204" pitchFamily="18" charset="0"/>
                           </a:rPr>
                           <m:t>𝑚𝑎𝑥</m:t>
@@ -15593,7 +15610,7 @@
                       </m:sub>
                     </m:sSub>
                     <m:r>
-                      <a:rPr lang="en-US">
+                      <a:rPr lang="en-US" sz="2400">
                         <a:latin typeface="Cambria Math" panose="02040503050406030204" pitchFamily="18" charset="0"/>
                       </a:rPr>
                       <m:t>)</m:t>
@@ -15601,39 +15618,46 @@
                   </m:oMath>
                 </a14:m>
                 <a:r>
-                  <a:rPr lang="en-US" dirty="0"/>
+                  <a:rPr lang="en-US" sz="2400" dirty="0">
+                    <a:effectLst/>
+                  </a:rPr>
                   <a:t>,</a:t>
                 </a:r>
-                <a:r>
-                  <a:rPr lang="ru-RU" dirty="0">
-                    <a:effectLst/>
-                  </a:rPr>
-                  <a:t> </a:t>
-                </a:r>
-                <a:endParaRPr lang="en-US" dirty="0">
-                  <a:effectLst/>
-                </a:endParaRPr>
               </a:p>
               <a:p>
                 <a:pPr marL="0" indent="0">
                   <a:buNone/>
                 </a:pPr>
                 <a:r>
-                  <a:rPr lang="en-US" sz="1600" dirty="0"/>
-                  <a:t>       where Ci is the duration of the current sleep cycle; Ci−1 is the duration of the previous 	sleep cycle; </a:t>
+                  <a:rPr lang="en-US" sz="2000" dirty="0"/>
+                  <a:t>Ci is the duration of the  current sleep cycle.</a:t>
                 </a:r>
+              </a:p>
+              <a:p>
+                <a:pPr marL="0" indent="0">
+                  <a:buNone/>
+                </a:pPr>
                 <a:r>
-                  <a:rPr lang="en-US" sz="1600" dirty="0" err="1"/>
+                  <a:rPr lang="en-US" sz="2000" dirty="0"/>
+                  <a:t>Ci−1 is the duration of the previous 	sleep cycle.</a:t>
+                </a:r>
+              </a:p>
+              <a:p>
+                <a:pPr marL="0" indent="0">
+                  <a:buNone/>
+                </a:pPr>
+                <a:r>
+                  <a:rPr lang="en-US" sz="2000" dirty="0" err="1"/>
                   <a:t>Cmax</a:t>
                 </a:r>
                 <a:r>
-                  <a:rPr lang="en-US" sz="1600" dirty="0"/>
+                  <a:rPr lang="en-US" sz="2000" dirty="0"/>
                   <a:t> is the maximum.</a:t>
                 </a:r>
-                <a:endParaRPr lang="ru-RU" sz="1600" dirty="0"/>
+                <a:endParaRPr lang="ru-RU" sz="2000" dirty="0"/>
               </a:p>
               <a:p>
-                <a:endParaRPr lang="ru-RU" dirty="0"/>
+                <a:endParaRPr lang="ru-RU" sz="2400" dirty="0"/>
               </a:p>
             </p:txBody>
           </p:sp>
@@ -15657,13 +15681,13 @@
             </p:nvSpPr>
             <p:spPr>
               <a:xfrm>
-                <a:off x="881686" y="2603500"/>
-                <a:ext cx="5214315" cy="3416300"/>
+                <a:off x="1154954" y="2603500"/>
+                <a:ext cx="4941046" cy="3565806"/>
               </a:xfrm>
               <a:blipFill>
                 <a:blip r:embed="rId2"/>
                 <a:stretch>
-                  <a:fillRect l="-728" t="-369" r="-485"/>
+                  <a:fillRect l="-1279" t="-709" r="-512"/>
                 </a:stretch>
               </a:blipFill>
             </p:spPr>
@@ -15867,7 +15891,7 @@
         <p:spPr>
           <a:xfrm>
             <a:off x="1154954" y="2603500"/>
-            <a:ext cx="10035785" cy="3416300"/>
+            <a:ext cx="10035785" cy="1123375"/>
           </a:xfrm>
         </p:spPr>
         <p:txBody>
@@ -16156,6 +16180,9 @@
               </a:bodyPr>
               <a:lstStyle/>
               <a:p>
+                <a:pPr marL="0" indent="0">
+                  <a:buNone/>
+                </a:pPr>
                 <a:r>
                   <a:rPr lang="en-US" sz="2000" dirty="0"/>
                   <a:t>In order to conclude on the efficiency of the power saving mechanisms, we exploit the so-called energy efficiency coefficient, which may be defined as in: </a:t>
@@ -16355,10 +16382,6 @@
                 <a:pPr marL="0" indent="0">
                   <a:buNone/>
                 </a:pPr>
-                <a:r>
-                  <a:rPr lang="en-US" sz="2000" dirty="0"/>
-                  <a:t>      where </a:t>
-                </a:r>
                 <a14:m>
                   <m:oMath xmlns:m="http://schemas.openxmlformats.org/officeDocument/2006/math">
                     <m:r>
@@ -16408,7 +16431,16 @@
                 </a14:m>
                 <a:r>
                   <a:rPr lang="en-US" sz="2000" dirty="0"/>
-                  <a:t> is the meantime, the MS spends in the sleep/inactive state; E[TA] is the mean time the MS spends in the active state.</a:t>
+                  <a:t> is the meantime, the MS spends in the sleep/inactive state.</a:t>
+                </a:r>
+              </a:p>
+              <a:p>
+                <a:pPr marL="0" indent="0">
+                  <a:buNone/>
+                </a:pPr>
+                <a:r>
+                  <a:rPr lang="en-US" sz="2000" dirty="0"/>
+                  <a:t>E[TA] is the meantime, the MS spends in the active state.</a:t>
                 </a:r>
                 <a:endParaRPr lang="ru-RU" sz="2000" dirty="0"/>
               </a:p>
@@ -16659,7 +16691,12 @@
             <p:ph idx="1"/>
           </p:nvPr>
         </p:nvSpPr>
-        <p:spPr/>
+        <p:spPr>
+          <a:xfrm>
+            <a:off x="1154954" y="2488557"/>
+            <a:ext cx="10035785" cy="4155311"/>
+          </a:xfrm>
+        </p:spPr>
         <p:txBody>
           <a:bodyPr>
             <a:normAutofit/>
@@ -16670,15 +16707,15 @@
               <a:buNone/>
             </a:pPr>
             <a:r>
-              <a:rPr lang="en-US" sz="1600" dirty="0"/>
+              <a:rPr lang="en-US" sz="2000" dirty="0"/>
               <a:t>Below we introduce a wireless system model in order to assess the performance of the power saving mechanisms.</a:t>
             </a:r>
             <a:r>
-              <a:rPr lang="ru-RU" sz="1600" dirty="0"/>
+              <a:rPr lang="ru-RU" sz="2000" dirty="0"/>
               <a:t> </a:t>
             </a:r>
             <a:r>
-              <a:rPr lang="en-US" sz="1600" dirty="0"/>
+              <a:rPr lang="en-US" sz="2000" dirty="0"/>
               <a:t>The assumptions of the model may be summarized as follows:</a:t>
             </a:r>
           </a:p>
@@ -16688,14 +16725,14 @@
               <a:buAutoNum type="arabicPeriod"/>
             </a:pPr>
             <a:r>
-              <a:rPr lang="en-US" sz="1600" dirty="0"/>
+              <a:rPr lang="en-US" sz="2000" dirty="0"/>
               <a:t>System topology comprises</a:t>
             </a:r>
             <a:r>
-              <a:rPr lang="ru-RU" sz="1600" dirty="0"/>
+              <a:rPr lang="ru-RU" sz="2000" dirty="0"/>
               <a:t> </a:t>
             </a:r>
-            <a:endParaRPr lang="en-US" sz="1600" dirty="0"/>
+            <a:endParaRPr lang="en-US" sz="2000" dirty="0"/>
           </a:p>
           <a:p>
             <a:pPr>
@@ -16703,7 +16740,7 @@
               <a:buAutoNum type="arabicPeriod"/>
             </a:pPr>
             <a:r>
-              <a:rPr lang="en-US" sz="1600" dirty="0"/>
+              <a:rPr lang="en-US" sz="2000" dirty="0"/>
               <a:t>Only downlink channel is considered. </a:t>
             </a:r>
           </a:p>
@@ -16713,7 +16750,7 @@
               <a:buAutoNum type="arabicPeriod"/>
             </a:pPr>
             <a:r>
-              <a:rPr lang="en-US" sz="1600" dirty="0"/>
+              <a:rPr lang="en-US" sz="2000" dirty="0"/>
               <a:t>During a frame, the MS may receive at most one data packet. </a:t>
             </a:r>
           </a:p>
@@ -16723,14 +16760,14 @@
               <a:buAutoNum type="arabicPeriod"/>
             </a:pPr>
             <a:r>
-              <a:rPr lang="en-US" sz="1600" dirty="0"/>
+              <a:rPr lang="en-US" sz="2000" dirty="0"/>
               <a:t>Data packets are served by the BS in the order of their arrival</a:t>
             </a:r>
             <a:r>
-              <a:rPr lang="ru-RU" sz="1600" dirty="0"/>
+              <a:rPr lang="ru-RU" sz="2000" dirty="0"/>
               <a:t> </a:t>
             </a:r>
-            <a:endParaRPr lang="en-US" sz="1600" dirty="0"/>
+            <a:endParaRPr lang="en-US" sz="2000" dirty="0"/>
           </a:p>
           <a:p>
             <a:pPr>
@@ -16738,10 +16775,10 @@
               <a:buAutoNum type="arabicPeriod"/>
             </a:pPr>
             <a:r>
-              <a:rPr lang="en-US" sz="1600" dirty="0"/>
+              <a:rPr lang="en-US" sz="2000" dirty="0"/>
               <a:t>If a packet arrives at the BS during the frame k, it may be sent to the MS not earlier than in the following frame k+1.</a:t>
             </a:r>
-            <a:endParaRPr lang="ru-RU" sz="1600" dirty="0"/>
+            <a:endParaRPr lang="ru-RU" sz="2000" dirty="0"/>
           </a:p>
           <a:p>
             <a:pPr>
@@ -16749,31 +16786,31 @@
               <a:buAutoNum type="arabicPeriod"/>
             </a:pPr>
             <a:r>
-              <a:rPr lang="en-US" sz="1600" dirty="0"/>
+              <a:rPr lang="en-US" sz="2000" dirty="0"/>
               <a:t>Data packet errors are not considered. </a:t>
             </a:r>
-            <a:endParaRPr lang="ru-RU" sz="1600" dirty="0"/>
+            <a:endParaRPr lang="ru-RU" sz="2000" dirty="0"/>
           </a:p>
           <a:p>
             <a:pPr>
               <a:buFont typeface="+mj-lt"/>
               <a:buAutoNum type="arabicPeriod"/>
             </a:pPr>
-            <a:endParaRPr lang="ru-RU" sz="1600" dirty="0"/>
+            <a:endParaRPr lang="ru-RU" sz="2000" dirty="0"/>
           </a:p>
           <a:p>
             <a:pPr>
               <a:buFont typeface="+mj-lt"/>
               <a:buAutoNum type="arabicPeriod"/>
             </a:pPr>
-            <a:endParaRPr lang="ru-RU" sz="1600" dirty="0"/>
+            <a:endParaRPr lang="ru-RU" sz="2000" dirty="0"/>
           </a:p>
           <a:p>
             <a:pPr>
               <a:buFont typeface="+mj-lt"/>
               <a:buAutoNum type="arabicPeriod"/>
             </a:pPr>
-            <a:endParaRPr lang="ru-RU" sz="1600" dirty="0"/>
+            <a:endParaRPr lang="ru-RU" sz="2000" dirty="0"/>
           </a:p>
         </p:txBody>
       </p:sp>
